--- a/sas_poster.pptx
+++ b/sas_poster.pptx
@@ -8342,8 +8342,8 @@
         </p:blipFill>
         <p:spPr>
           <a:xfrm>
-            <a:off x="10377649" y="5123316"/>
-            <a:ext cx="6358278" cy="6865899"/>
+            <a:off x="10377649" y="5123317"/>
+            <a:ext cx="6358278" cy="6817202"/>
           </a:xfrm>
           <a:prstGeom prst="rect">
             <a:avLst/>
@@ -8372,8 +8372,8 @@
         </p:blipFill>
         <p:spPr>
           <a:xfrm>
-            <a:off x="16813280" y="5123316"/>
-            <a:ext cx="5103577" cy="2140372"/>
+            <a:off x="16985675" y="5110059"/>
+            <a:ext cx="5116110" cy="2140372"/>
           </a:xfrm>
           <a:prstGeom prst="rect">
             <a:avLst/>
@@ -8402,8 +8402,8 @@
         </p:blipFill>
         <p:spPr>
           <a:xfrm>
-            <a:off x="16813280" y="7616487"/>
-            <a:ext cx="5202923" cy="4324031"/>
+            <a:off x="16969466" y="7616487"/>
+            <a:ext cx="5132319" cy="4324031"/>
           </a:xfrm>
           <a:prstGeom prst="rect">
             <a:avLst/>
